--- a/7 Fourth Industrial Revolution(4IR).pptx
+++ b/7 Fourth Industrial Revolution(4IR).pptx
@@ -16,9 +16,6 @@
     <p:sldId id="264" r:id="rId10"/>
     <p:sldId id="265" r:id="rId11"/>
     <p:sldId id="266" r:id="rId12"/>
-    <p:sldId id="267" r:id="rId13"/>
-    <p:sldId id="268" r:id="rId14"/>
-    <p:sldId id="269" r:id="rId15"/>
   </p:sldIdLst>
   <p:sldSz cx="12192000" cy="6858000"/>
   <p:notesSz cx="6858000" cy="9144000"/>
@@ -117,6 +114,11 @@
       </a:defRPr>
     </a:lvl9pPr>
   </p:defaultTextStyle>
+  <p:extLst>
+    <p:ext uri="{EFAFB233-063F-42B5-8137-9DF3F51BA10A}">
+      <p15:sldGuideLst xmlns:p15="http://schemas.microsoft.com/office/powerpoint/2012/main"/>
+    </p:ext>
+  </p:extLst>
 </p:presentation>
 </file>
 
@@ -2992,27 +2994,10 @@
           <a:bodyPr/>
           <a:lstStyle/>
           <a:p>
-            <a:endParaRPr lang="en-US" dirty="0"/>
-          </a:p>
-        </p:txBody>
-      </p:sp>
-      <p:sp>
-        <p:nvSpPr>
-          <p:cNvPr id="3" name="Subtitle 2"/>
-          <p:cNvSpPr>
-            <a:spLocks noGrp="1"/>
-          </p:cNvSpPr>
-          <p:nvPr>
-            <p:ph type="subTitle" idx="1"/>
-          </p:nvPr>
-        </p:nvSpPr>
-        <p:spPr/>
-        <p:txBody>
-          <a:bodyPr>
-            <a:normAutofit/>
-          </a:bodyPr>
-          <a:lstStyle/>
-          <a:p>
+            <a:r>
+              <a:rPr lang="en-US" dirty="0"/>
+              <a:t>Fourth Industrial Revolution (4IR)</a:t>
+            </a:r>
             <a:endParaRPr lang="en-US" dirty="0"/>
           </a:p>
         </p:txBody>
@@ -3069,7 +3054,11 @@
           <a:bodyPr/>
           <a:lstStyle/>
           <a:p>
-            <a:endParaRPr lang="en-US"/>
+            <a:r>
+              <a:rPr lang="en-US" dirty="0"/>
+              <a:t>4IR technologies</a:t>
+            </a:r>
+            <a:endParaRPr lang="en-US" dirty="0"/>
           </a:p>
         </p:txBody>
       </p:sp>
@@ -3090,8 +3079,13 @@
           <a:p>
             <a:r>
               <a:rPr lang="en-US" dirty="0" smtClean="0"/>
-              <a:t>1. Artificial Intelligence (AI): </a:t>
-            </a:r>
+              <a:t>1. Artificial Intelligence (AI</a:t>
+            </a:r>
+            <a:r>
+              <a:rPr lang="en-US" dirty="0" smtClean="0"/>
+              <a:t>)</a:t>
+            </a:r>
+            <a:endParaRPr lang="en-US" dirty="0" smtClean="0"/>
           </a:p>
           <a:p>
             <a:r>
@@ -3104,20 +3098,31 @@
             </a:r>
             <a:r>
               <a:rPr lang="en-US" dirty="0" smtClean="0"/>
-              <a:t>): </a:t>
-            </a:r>
+              <a:t>)</a:t>
+            </a:r>
+            <a:endParaRPr lang="en-US" dirty="0" smtClean="0"/>
           </a:p>
           <a:p>
             <a:r>
               <a:rPr lang="en-US" dirty="0" smtClean="0"/>
-              <a:t>3. Robotics: </a:t>
-            </a:r>
-          </a:p>
-          <a:p>
+              <a:t>3. </a:t>
+            </a:r>
             <a:r>
               <a:rPr lang="en-US" dirty="0" smtClean="0"/>
-              <a:t>4. Big Data Analytics:</a:t>
-            </a:r>
+              <a:t>Robotics</a:t>
+            </a:r>
+            <a:endParaRPr lang="en-US" dirty="0" smtClean="0"/>
+          </a:p>
+          <a:p>
+            <a:r>
+              <a:rPr lang="en-US" dirty="0" smtClean="0"/>
+              <a:t>4. Big Data </a:t>
+            </a:r>
+            <a:r>
+              <a:rPr lang="en-US" dirty="0" smtClean="0"/>
+              <a:t>Analytics</a:t>
+            </a:r>
+            <a:endParaRPr lang="en-US" dirty="0" smtClean="0"/>
           </a:p>
           <a:p>
             <a:r>
@@ -3128,27 +3133,38 @@
               <a:rPr lang="en-US" dirty="0" err="1" smtClean="0"/>
               <a:t>Blockchain</a:t>
             </a:r>
+            <a:endParaRPr lang="en-US" dirty="0" smtClean="0"/>
+          </a:p>
+          <a:p>
             <a:r>
               <a:rPr lang="en-US" dirty="0" smtClean="0"/>
-              <a:t>: </a:t>
-            </a:r>
-          </a:p>
-          <a:p>
+              <a:t>6. Virtual Reality (VR) and Augmented Reality (AR</a:t>
+            </a:r>
             <a:r>
               <a:rPr lang="en-US" dirty="0" smtClean="0"/>
-              <a:t>6. Virtual Reality (VR) and Augmented Reality (AR): </a:t>
-            </a:r>
+              <a:t>)</a:t>
+            </a:r>
+            <a:endParaRPr lang="en-US" dirty="0" smtClean="0"/>
           </a:p>
           <a:p>
             <a:r>
               <a:rPr lang="en-US" dirty="0" smtClean="0"/>
-              <a:t>7. 3D Printing: </a:t>
-            </a:r>
-          </a:p>
-          <a:p>
+              <a:t>7. 3D </a:t>
+            </a:r>
             <a:r>
               <a:rPr lang="en-US" dirty="0" smtClean="0"/>
-              <a:t>8. Biotechnology:</a:t>
+              <a:t>Printing</a:t>
+            </a:r>
+            <a:endParaRPr lang="en-US" dirty="0" smtClean="0"/>
+          </a:p>
+          <a:p>
+            <a:r>
+              <a:rPr lang="en-US" dirty="0" smtClean="0"/>
+              <a:t>8. </a:t>
+            </a:r>
+            <a:r>
+              <a:rPr lang="en-US" dirty="0" smtClean="0"/>
+              <a:t>Biotechnology</a:t>
             </a:r>
             <a:endParaRPr lang="en-US" dirty="0"/>
           </a:p>
@@ -3201,31 +3217,23 @@
             <p:ph type="title"/>
           </p:nvPr>
         </p:nvSpPr>
-        <p:spPr/>
-        <p:txBody>
-          <a:bodyPr/>
-          <a:lstStyle/>
-          <a:p>
-            <a:endParaRPr lang="en-US"/>
-          </a:p>
-        </p:txBody>
-      </p:sp>
-      <p:sp>
-        <p:nvSpPr>
-          <p:cNvPr id="3" name="Content Placeholder 2"/>
-          <p:cNvSpPr>
-            <a:spLocks noGrp="1"/>
-          </p:cNvSpPr>
-          <p:nvPr>
-            <p:ph idx="1"/>
-          </p:nvPr>
-        </p:nvSpPr>
-        <p:spPr/>
-        <p:txBody>
-          <a:bodyPr/>
-          <a:lstStyle/>
-          <a:p>
-            <a:endParaRPr lang="en-US"/>
+        <p:spPr>
+          <a:xfrm>
+            <a:off x="3672840" y="2899319"/>
+            <a:ext cx="4804954" cy="1325563"/>
+          </a:xfrm>
+        </p:spPr>
+        <p:txBody>
+          <a:bodyPr>
+            <a:normAutofit/>
+          </a:bodyPr>
+          <a:lstStyle/>
+          <a:p>
+            <a:r>
+              <a:rPr lang="en-US" sz="7200" dirty="0" smtClean="0"/>
+              <a:t>Thank You!!</a:t>
+            </a:r>
+            <a:endParaRPr lang="en-US" sz="7200" dirty="0"/>
           </a:p>
         </p:txBody>
       </p:sp>
@@ -3233,231 +3241,6 @@
     <p:extLst>
       <p:ext uri="{BB962C8B-B14F-4D97-AF65-F5344CB8AC3E}">
         <p14:creationId xmlns:p14="http://schemas.microsoft.com/office/powerpoint/2010/main" val="1512963288"/>
-      </p:ext>
-    </p:extLst>
-  </p:cSld>
-  <p:clrMapOvr>
-    <a:masterClrMapping/>
-  </p:clrMapOvr>
-  <p:timing>
-    <p:tnLst>
-      <p:par>
-        <p:cTn id="1" dur="indefinite" restart="never" nodeType="tmRoot"/>
-      </p:par>
-    </p:tnLst>
-  </p:timing>
-</p:sld>
-</file>
-
-<file path=ppt/slides/slide12.xml><?xml version="1.0" encoding="utf-8"?>
-<p:sld xmlns:a="http://schemas.openxmlformats.org/drawingml/2006/main" xmlns:r="http://schemas.openxmlformats.org/officeDocument/2006/relationships" xmlns:p="http://schemas.openxmlformats.org/presentationml/2006/main">
-  <p:cSld>
-    <p:spTree>
-      <p:nvGrpSpPr>
-        <p:cNvPr id="1" name=""/>
-        <p:cNvGrpSpPr/>
-        <p:nvPr/>
-      </p:nvGrpSpPr>
-      <p:grpSpPr>
-        <a:xfrm>
-          <a:off x="0" y="0"/>
-          <a:ext cx="0" cy="0"/>
-          <a:chOff x="0" y="0"/>
-          <a:chExt cx="0" cy="0"/>
-        </a:xfrm>
-      </p:grpSpPr>
-      <p:sp>
-        <p:nvSpPr>
-          <p:cNvPr id="2" name="Title 1"/>
-          <p:cNvSpPr>
-            <a:spLocks noGrp="1"/>
-          </p:cNvSpPr>
-          <p:nvPr>
-            <p:ph type="title"/>
-          </p:nvPr>
-        </p:nvSpPr>
-        <p:spPr/>
-        <p:txBody>
-          <a:bodyPr/>
-          <a:lstStyle/>
-          <a:p>
-            <a:endParaRPr lang="en-US"/>
-          </a:p>
-        </p:txBody>
-      </p:sp>
-      <p:sp>
-        <p:nvSpPr>
-          <p:cNvPr id="3" name="Content Placeholder 2"/>
-          <p:cNvSpPr>
-            <a:spLocks noGrp="1"/>
-          </p:cNvSpPr>
-          <p:nvPr>
-            <p:ph idx="1"/>
-          </p:nvPr>
-        </p:nvSpPr>
-        <p:spPr/>
-        <p:txBody>
-          <a:bodyPr/>
-          <a:lstStyle/>
-          <a:p>
-            <a:endParaRPr lang="en-US"/>
-          </a:p>
-        </p:txBody>
-      </p:sp>
-    </p:spTree>
-    <p:extLst>
-      <p:ext uri="{BB962C8B-B14F-4D97-AF65-F5344CB8AC3E}">
-        <p14:creationId xmlns:p14="http://schemas.microsoft.com/office/powerpoint/2010/main" val="3013769903"/>
-      </p:ext>
-    </p:extLst>
-  </p:cSld>
-  <p:clrMapOvr>
-    <a:masterClrMapping/>
-  </p:clrMapOvr>
-  <p:timing>
-    <p:tnLst>
-      <p:par>
-        <p:cTn id="1" dur="indefinite" restart="never" nodeType="tmRoot"/>
-      </p:par>
-    </p:tnLst>
-  </p:timing>
-</p:sld>
-</file>
-
-<file path=ppt/slides/slide13.xml><?xml version="1.0" encoding="utf-8"?>
-<p:sld xmlns:a="http://schemas.openxmlformats.org/drawingml/2006/main" xmlns:r="http://schemas.openxmlformats.org/officeDocument/2006/relationships" xmlns:p="http://schemas.openxmlformats.org/presentationml/2006/main">
-  <p:cSld>
-    <p:spTree>
-      <p:nvGrpSpPr>
-        <p:cNvPr id="1" name=""/>
-        <p:cNvGrpSpPr/>
-        <p:nvPr/>
-      </p:nvGrpSpPr>
-      <p:grpSpPr>
-        <a:xfrm>
-          <a:off x="0" y="0"/>
-          <a:ext cx="0" cy="0"/>
-          <a:chOff x="0" y="0"/>
-          <a:chExt cx="0" cy="0"/>
-        </a:xfrm>
-      </p:grpSpPr>
-      <p:sp>
-        <p:nvSpPr>
-          <p:cNvPr id="2" name="Title 1"/>
-          <p:cNvSpPr>
-            <a:spLocks noGrp="1"/>
-          </p:cNvSpPr>
-          <p:nvPr>
-            <p:ph type="title"/>
-          </p:nvPr>
-        </p:nvSpPr>
-        <p:spPr/>
-        <p:txBody>
-          <a:bodyPr/>
-          <a:lstStyle/>
-          <a:p>
-            <a:endParaRPr lang="en-US"/>
-          </a:p>
-        </p:txBody>
-      </p:sp>
-      <p:sp>
-        <p:nvSpPr>
-          <p:cNvPr id="3" name="Content Placeholder 2"/>
-          <p:cNvSpPr>
-            <a:spLocks noGrp="1"/>
-          </p:cNvSpPr>
-          <p:nvPr>
-            <p:ph idx="1"/>
-          </p:nvPr>
-        </p:nvSpPr>
-        <p:spPr/>
-        <p:txBody>
-          <a:bodyPr/>
-          <a:lstStyle/>
-          <a:p>
-            <a:endParaRPr lang="en-US"/>
-          </a:p>
-        </p:txBody>
-      </p:sp>
-    </p:spTree>
-    <p:extLst>
-      <p:ext uri="{BB962C8B-B14F-4D97-AF65-F5344CB8AC3E}">
-        <p14:creationId xmlns:p14="http://schemas.microsoft.com/office/powerpoint/2010/main" val="2577355384"/>
-      </p:ext>
-    </p:extLst>
-  </p:cSld>
-  <p:clrMapOvr>
-    <a:masterClrMapping/>
-  </p:clrMapOvr>
-  <p:timing>
-    <p:tnLst>
-      <p:par>
-        <p:cTn id="1" dur="indefinite" restart="never" nodeType="tmRoot"/>
-      </p:par>
-    </p:tnLst>
-  </p:timing>
-</p:sld>
-</file>
-
-<file path=ppt/slides/slide14.xml><?xml version="1.0" encoding="utf-8"?>
-<p:sld xmlns:a="http://schemas.openxmlformats.org/drawingml/2006/main" xmlns:r="http://schemas.openxmlformats.org/officeDocument/2006/relationships" xmlns:p="http://schemas.openxmlformats.org/presentationml/2006/main">
-  <p:cSld>
-    <p:spTree>
-      <p:nvGrpSpPr>
-        <p:cNvPr id="1" name=""/>
-        <p:cNvGrpSpPr/>
-        <p:nvPr/>
-      </p:nvGrpSpPr>
-      <p:grpSpPr>
-        <a:xfrm>
-          <a:off x="0" y="0"/>
-          <a:ext cx="0" cy="0"/>
-          <a:chOff x="0" y="0"/>
-          <a:chExt cx="0" cy="0"/>
-        </a:xfrm>
-      </p:grpSpPr>
-      <p:sp>
-        <p:nvSpPr>
-          <p:cNvPr id="2" name="Title 1"/>
-          <p:cNvSpPr>
-            <a:spLocks noGrp="1"/>
-          </p:cNvSpPr>
-          <p:nvPr>
-            <p:ph type="title"/>
-          </p:nvPr>
-        </p:nvSpPr>
-        <p:spPr/>
-        <p:txBody>
-          <a:bodyPr/>
-          <a:lstStyle/>
-          <a:p>
-            <a:endParaRPr lang="en-US"/>
-          </a:p>
-        </p:txBody>
-      </p:sp>
-      <p:sp>
-        <p:nvSpPr>
-          <p:cNvPr id="3" name="Content Placeholder 2"/>
-          <p:cNvSpPr>
-            <a:spLocks noGrp="1"/>
-          </p:cNvSpPr>
-          <p:nvPr>
-            <p:ph idx="1"/>
-          </p:nvPr>
-        </p:nvSpPr>
-        <p:spPr/>
-        <p:txBody>
-          <a:bodyPr/>
-          <a:lstStyle/>
-          <a:p>
-            <a:endParaRPr lang="en-US"/>
-          </a:p>
-        </p:txBody>
-      </p:sp>
-    </p:spTree>
-    <p:extLst>
-      <p:ext uri="{BB962C8B-B14F-4D97-AF65-F5344CB8AC3E}">
-        <p14:creationId xmlns:p14="http://schemas.microsoft.com/office/powerpoint/2010/main" val="1195231996"/>
       </p:ext>
     </p:extLst>
   </p:cSld>
@@ -3506,6 +3289,10 @@
           <a:bodyPr/>
           <a:lstStyle/>
           <a:p>
+            <a:r>
+              <a:rPr lang="en-US" dirty="0"/>
+              <a:t>4IR in Bangladesh </a:t>
+            </a:r>
             <a:endParaRPr lang="en-US" dirty="0"/>
           </a:p>
         </p:txBody>
@@ -3685,29 +3472,40 @@
             <p:ph type="title"/>
           </p:nvPr>
         </p:nvSpPr>
-        <p:spPr/>
-        <p:txBody>
-          <a:bodyPr/>
-          <a:lstStyle/>
-          <a:p>
-            <a:endParaRPr lang="en-US"/>
-          </a:p>
-        </p:txBody>
-      </p:sp>
-      <p:sp>
-        <p:nvSpPr>
-          <p:cNvPr id="3" name="Content Placeholder 2"/>
-          <p:cNvSpPr>
-            <a:spLocks noGrp="1"/>
-          </p:cNvSpPr>
-          <p:nvPr>
-            <p:ph idx="1"/>
-          </p:nvPr>
-        </p:nvSpPr>
         <p:spPr>
           <a:xfrm>
-            <a:off x="838200" y="1825624"/>
-            <a:ext cx="10515600" cy="5032375"/>
+            <a:off x="838200" y="365126"/>
+            <a:ext cx="10515600" cy="1019538"/>
+          </a:xfrm>
+        </p:spPr>
+        <p:txBody>
+          <a:bodyPr>
+            <a:normAutofit/>
+          </a:bodyPr>
+          <a:lstStyle/>
+          <a:p>
+            <a:r>
+              <a:rPr lang="en-US" sz="3200" dirty="0"/>
+              <a:t>4IR in Bangladesh </a:t>
+            </a:r>
+            <a:endParaRPr lang="en-US" sz="3200" dirty="0"/>
+          </a:p>
+        </p:txBody>
+      </p:sp>
+      <p:sp>
+        <p:nvSpPr>
+          <p:cNvPr id="3" name="Content Placeholder 2"/>
+          <p:cNvSpPr>
+            <a:spLocks noGrp="1"/>
+          </p:cNvSpPr>
+          <p:nvPr>
+            <p:ph idx="1"/>
+          </p:nvPr>
+        </p:nvSpPr>
+        <p:spPr>
+          <a:xfrm>
+            <a:off x="838200" y="1384664"/>
+            <a:ext cx="10515600" cy="5473335"/>
           </a:xfrm>
         </p:spPr>
         <p:txBody>
@@ -3874,29 +3672,40 @@
             <p:ph type="title"/>
           </p:nvPr>
         </p:nvSpPr>
-        <p:spPr/>
-        <p:txBody>
-          <a:bodyPr/>
-          <a:lstStyle/>
-          <a:p>
-            <a:endParaRPr lang="en-US"/>
-          </a:p>
-        </p:txBody>
-      </p:sp>
-      <p:sp>
-        <p:nvSpPr>
-          <p:cNvPr id="3" name="Content Placeholder 2"/>
-          <p:cNvSpPr>
-            <a:spLocks noGrp="1"/>
-          </p:cNvSpPr>
-          <p:nvPr>
-            <p:ph idx="1"/>
-          </p:nvPr>
-        </p:nvSpPr>
         <p:spPr>
           <a:xfrm>
-            <a:off x="838200" y="1825624"/>
-            <a:ext cx="10515600" cy="4666615"/>
+            <a:off x="838200" y="365125"/>
+            <a:ext cx="10515600" cy="980349"/>
+          </a:xfrm>
+        </p:spPr>
+        <p:txBody>
+          <a:bodyPr>
+            <a:normAutofit/>
+          </a:bodyPr>
+          <a:lstStyle/>
+          <a:p>
+            <a:r>
+              <a:rPr lang="en-US" sz="3600" dirty="0"/>
+              <a:t>4IR in Bangladesh </a:t>
+            </a:r>
+            <a:endParaRPr lang="en-US" sz="3600" dirty="0"/>
+          </a:p>
+        </p:txBody>
+      </p:sp>
+      <p:sp>
+        <p:nvSpPr>
+          <p:cNvPr id="3" name="Content Placeholder 2"/>
+          <p:cNvSpPr>
+            <a:spLocks noGrp="1"/>
+          </p:cNvSpPr>
+          <p:nvPr>
+            <p:ph idx="1"/>
+          </p:nvPr>
+        </p:nvSpPr>
+        <p:spPr>
+          <a:xfrm>
+            <a:off x="838200" y="1436914"/>
+            <a:ext cx="10515600" cy="5055325"/>
           </a:xfrm>
         </p:spPr>
         <p:txBody>
@@ -4084,7 +3893,11 @@
           <a:bodyPr/>
           <a:lstStyle/>
           <a:p>
-            <a:endParaRPr lang="en-US"/>
+            <a:r>
+              <a:rPr lang="en-US" dirty="0" smtClean="0"/>
+              <a:t>Video link</a:t>
+            </a:r>
+            <a:endParaRPr lang="en-US" dirty="0"/>
           </a:p>
         </p:txBody>
       </p:sp>
@@ -4163,7 +3976,11 @@
           <a:bodyPr/>
           <a:lstStyle/>
           <a:p>
-            <a:endParaRPr lang="en-US"/>
+            <a:r>
+              <a:rPr lang="en-US" dirty="0"/>
+              <a:t>4IR in Bangladesh</a:t>
+            </a:r>
+            <a:endParaRPr lang="en-US" dirty="0"/>
           </a:p>
         </p:txBody>
       </p:sp>
@@ -4193,15 +4010,15 @@
               <a:buAutoNum type="arabicPeriod"/>
             </a:pPr>
             <a:r>
-              <a:rPr lang="en-US" sz="2000" dirty="0" smtClean="0"/>
+              <a:rPr lang="en-US" sz="2000" b="1" dirty="0" smtClean="0"/>
               <a:t>Digital Transformation (</a:t>
             </a:r>
             <a:r>
-              <a:rPr lang="as-IN" sz="2000" dirty="0" smtClean="0"/>
+              <a:rPr lang="as-IN" sz="2000" b="1" dirty="0" smtClean="0"/>
               <a:t>বাংলাদেশে ডিজিটাল রূপান্তর</a:t>
             </a:r>
             <a:r>
-              <a:rPr lang="en-US" sz="2000" dirty="0" smtClean="0"/>
+              <a:rPr lang="en-US" sz="2000" b="1" dirty="0" smtClean="0"/>
               <a:t>)</a:t>
             </a:r>
             <a:r>
@@ -4233,11 +4050,7 @@
             </a:r>
             <a:r>
               <a:rPr lang="as-IN" sz="2000" dirty="0" smtClean="0"/>
-              <a:t>করা</a:t>
-            </a:r>
-            <a:r>
-              <a:rPr lang="as-IN" sz="2000" dirty="0" smtClean="0"/>
-              <a:t>।</a:t>
+              <a:t>করা।</a:t>
             </a:r>
             <a:endParaRPr lang="en-US" sz="2000" dirty="0" smtClean="0"/>
           </a:p>
@@ -4256,15 +4069,15 @@
               <a:t>2. </a:t>
             </a:r>
             <a:r>
-              <a:rPr lang="en-US" sz="2000" dirty="0" smtClean="0"/>
+              <a:rPr lang="en-US" sz="2000" b="1" dirty="0" smtClean="0"/>
               <a:t>Industry 4.0 (</a:t>
             </a:r>
             <a:r>
-              <a:rPr lang="as-IN" sz="2000" dirty="0" smtClean="0"/>
+              <a:rPr lang="as-IN" sz="2000" b="1" dirty="0" smtClean="0"/>
               <a:t>শিল্প 4.0 গ্রহণ</a:t>
             </a:r>
             <a:r>
-              <a:rPr lang="en-US" sz="2000" dirty="0" smtClean="0"/>
+              <a:rPr lang="en-US" sz="2000" b="1" dirty="0" smtClean="0"/>
               <a:t>)</a:t>
             </a:r>
             <a:r>
@@ -4353,6 +4166,10 @@
           </a:bodyPr>
           <a:lstStyle/>
           <a:p>
+            <a:r>
+              <a:rPr lang="en-US" dirty="0"/>
+              <a:t>4IR in Bangladesh</a:t>
+            </a:r>
             <a:endParaRPr lang="en-US" dirty="0"/>
           </a:p>
         </p:txBody>
@@ -4397,17 +4214,17 @@
               <a:t>3. </a:t>
             </a:r>
             <a:r>
-              <a:rPr lang="en-US" sz="2000" dirty="0" smtClean="0"/>
+              <a:rPr lang="en-US" sz="2000" b="1" dirty="0" smtClean="0"/>
               <a:t>E-commerce and Digital Economy (</a:t>
             </a:r>
             <a:r>
-              <a:rPr lang="as-IN" sz="2000" dirty="0" smtClean="0">
+              <a:rPr lang="as-IN" sz="2000" b="1" dirty="0" smtClean="0">
                 <a:latin typeface="20"/>
               </a:rPr>
               <a:t>ই-কমার্স</a:t>
             </a:r>
             <a:r>
-              <a:rPr lang="en-US" sz="2000" dirty="0" smtClean="0">
+              <a:rPr lang="en-US" sz="2000" b="1" dirty="0" smtClean="0">
                 <a:latin typeface="20"/>
               </a:rPr>
               <a:t>)</a:t>
@@ -4469,17 +4286,17 @@
               <a:t>4. </a:t>
             </a:r>
             <a:r>
-              <a:rPr lang="en-US" sz="2000" dirty="0" smtClean="0"/>
+              <a:rPr lang="en-US" sz="2000" b="1" dirty="0" smtClean="0"/>
               <a:t>Artificial Intelligence and Data Analytics (</a:t>
             </a:r>
             <a:r>
-              <a:rPr lang="as-IN" sz="2000" dirty="0" smtClean="0">
+              <a:rPr lang="as-IN" sz="2000" b="1" dirty="0" smtClean="0">
                 <a:latin typeface="20"/>
               </a:rPr>
               <a:t>এআই এবং ডেটা বিশ্লেষণ</a:t>
             </a:r>
             <a:r>
-              <a:rPr lang="en-US" sz="2000" dirty="0" smtClean="0">
+              <a:rPr lang="en-US" sz="2000" b="1" dirty="0" smtClean="0">
                 <a:latin typeface="20"/>
               </a:rPr>
               <a:t>)</a:t>
@@ -4541,29 +4358,23 @@
               <a:t>5. </a:t>
             </a:r>
             <a:r>
-              <a:rPr lang="en-US" sz="2000" dirty="0" smtClean="0"/>
+              <a:rPr lang="en-US" sz="2000" b="1" dirty="0" smtClean="0"/>
               <a:t>Startups and Innovation (</a:t>
             </a:r>
             <a:r>
-              <a:rPr lang="as-IN" sz="2000" dirty="0" smtClean="0">
+              <a:rPr lang="as-IN" sz="2000" b="1" dirty="0" smtClean="0">
                 <a:latin typeface="20"/>
               </a:rPr>
-              <a:t>স্টার্টআপ</a:t>
-            </a:r>
-            <a:r>
-              <a:rPr lang="as-IN" sz="2000" dirty="0" smtClean="0">
-                <a:latin typeface="20"/>
-              </a:rPr>
-              <a:t> এবং উদ্ভাবন</a:t>
-            </a:r>
-            <a:r>
-              <a:rPr lang="en-US" sz="2000" dirty="0" smtClean="0">
+              <a:t>স্টার্টআপ এবং উদ্ভাবন</a:t>
+            </a:r>
+            <a:r>
+              <a:rPr lang="en-US" sz="2000" b="1" dirty="0" smtClean="0">
                 <a:latin typeface="20"/>
               </a:rPr>
               <a:t>)</a:t>
             </a:r>
             <a:r>
-              <a:rPr lang="as-IN" sz="2000" dirty="0" smtClean="0">
+              <a:rPr lang="as-IN" sz="2000" b="1" dirty="0" smtClean="0">
                 <a:latin typeface="20"/>
               </a:rPr>
               <a:t> </a:t>
@@ -4679,6 +4490,10 @@
           </a:bodyPr>
           <a:lstStyle/>
           <a:p>
+            <a:r>
+              <a:rPr lang="en-US" dirty="0"/>
+              <a:t>4IR in Bangladesh</a:t>
+            </a:r>
             <a:endParaRPr lang="en-US" dirty="0"/>
           </a:p>
         </p:txBody>
@@ -4727,17 +4542,17 @@
               <a:t>. </a:t>
             </a:r>
             <a:r>
-              <a:rPr lang="en-US" sz="2000" dirty="0" smtClean="0"/>
+              <a:rPr lang="en-US" sz="2000" b="1" dirty="0" smtClean="0"/>
               <a:t>Digital Skills Development (</a:t>
             </a:r>
             <a:r>
-              <a:rPr lang="as-IN" sz="2000" dirty="0" smtClean="0">
+              <a:rPr lang="as-IN" sz="2000" b="1" dirty="0" smtClean="0">
                 <a:latin typeface="20"/>
               </a:rPr>
               <a:t>ডিজিটাল দক্ষতা</a:t>
             </a:r>
             <a:r>
-              <a:rPr lang="en-US" sz="2000" dirty="0" smtClean="0">
+              <a:rPr lang="en-US" sz="2000" b="1" dirty="0" smtClean="0">
                 <a:latin typeface="20"/>
               </a:rPr>
               <a:t>)</a:t>
@@ -4797,17 +4612,17 @@
               <a:t>7. </a:t>
             </a:r>
             <a:r>
-              <a:rPr lang="en-US" sz="2000" dirty="0" smtClean="0"/>
+              <a:rPr lang="en-US" sz="2000" b="1" dirty="0" smtClean="0"/>
               <a:t>Smart Cities and Infrastructure (</a:t>
             </a:r>
             <a:r>
-              <a:rPr lang="as-IN" sz="2000" dirty="0" smtClean="0">
+              <a:rPr lang="as-IN" sz="2000" b="1" dirty="0" smtClean="0">
                 <a:latin typeface="20"/>
               </a:rPr>
               <a:t>স্মার্ট শহর</a:t>
             </a:r>
             <a:r>
-              <a:rPr lang="en-US" sz="2000" dirty="0" smtClean="0">
+              <a:rPr lang="en-US" sz="2000" b="1" dirty="0" smtClean="0">
                 <a:latin typeface="20"/>
               </a:rPr>
               <a:t>)</a:t>
@@ -4893,17 +4708,17 @@
               <a:t>8. </a:t>
             </a:r>
             <a:r>
-              <a:rPr lang="en-US" sz="2000" dirty="0" smtClean="0"/>
+              <a:rPr lang="en-US" sz="2000" b="1" dirty="0" smtClean="0"/>
               <a:t>Cybersecurity and Digital Trust (</a:t>
             </a:r>
             <a:r>
-              <a:rPr lang="as-IN" sz="2000" dirty="0" smtClean="0">
+              <a:rPr lang="as-IN" sz="2000" b="1" dirty="0" smtClean="0">
                 <a:latin typeface="20"/>
               </a:rPr>
               <a:t>সাইবার নিরাপত্তা</a:t>
             </a:r>
             <a:r>
-              <a:rPr lang="en-US" sz="2000" dirty="0" smtClean="0">
+              <a:rPr lang="en-US" sz="2000" b="1" dirty="0" smtClean="0">
                 <a:latin typeface="20"/>
               </a:rPr>
               <a:t>)</a:t>
@@ -5032,25 +4847,35 @@
           </a:p>
         </p:txBody>
       </p:sp>
-      <p:sp>
-        <p:nvSpPr>
-          <p:cNvPr id="3" name="Content Placeholder 2"/>
-          <p:cNvSpPr>
-            <a:spLocks noGrp="1"/>
-          </p:cNvSpPr>
+      <p:pic>
+        <p:nvPicPr>
+          <p:cNvPr id="4" name="Content Placeholder 3"/>
+          <p:cNvPicPr>
+            <a:picLocks noGrp="1" noChangeAspect="1"/>
+          </p:cNvPicPr>
           <p:nvPr>
             <p:ph idx="1"/>
           </p:nvPr>
-        </p:nvSpPr>
-        <p:spPr/>
-        <p:txBody>
-          <a:bodyPr/>
-          <a:lstStyle/>
-          <a:p>
-            <a:endParaRPr lang="en-US"/>
-          </a:p>
-        </p:txBody>
-      </p:sp>
+        </p:nvPicPr>
+        <p:blipFill>
+          <a:blip r:embed="rId2">
+            <a:extLst>
+              <a:ext uri="{28A0092B-C50C-407E-A947-70E740481C1C}">
+                <a14:useLocalDpi xmlns:a14="http://schemas.microsoft.com/office/drawing/2010/main" val="0"/>
+              </a:ext>
+            </a:extLst>
+          </a:blip>
+          <a:stretch>
+            <a:fillRect/>
+          </a:stretch>
+        </p:blipFill>
+        <p:spPr>
+          <a:xfrm>
+            <a:off x="534779" y="1690688"/>
+            <a:ext cx="11084890" cy="4605609"/>
+          </a:xfrm>
+        </p:spPr>
+      </p:pic>
     </p:spTree>
     <p:extLst>
       <p:ext uri="{BB962C8B-B14F-4D97-AF65-F5344CB8AC3E}">

--- a/7 Fourth Industrial Revolution(4IR).pptx
+++ b/7 Fourth Industrial Revolution(4IR).pptx
@@ -253,7 +253,7 @@
           <a:p>
             <a:fld id="{E79F6E01-8425-4BDF-A414-B45F251C5193}" type="datetimeFigureOut">
               <a:rPr lang="en-US" smtClean="0"/>
-              <a:t>11/22/2023</a:t>
+              <a:t>11/23/2023</a:t>
             </a:fld>
             <a:endParaRPr lang="en-US"/>
           </a:p>
@@ -423,7 +423,7 @@
           <a:p>
             <a:fld id="{E79F6E01-8425-4BDF-A414-B45F251C5193}" type="datetimeFigureOut">
               <a:rPr lang="en-US" smtClean="0"/>
-              <a:t>11/22/2023</a:t>
+              <a:t>11/23/2023</a:t>
             </a:fld>
             <a:endParaRPr lang="en-US"/>
           </a:p>
@@ -603,7 +603,7 @@
           <a:p>
             <a:fld id="{E79F6E01-8425-4BDF-A414-B45F251C5193}" type="datetimeFigureOut">
               <a:rPr lang="en-US" smtClean="0"/>
-              <a:t>11/22/2023</a:t>
+              <a:t>11/23/2023</a:t>
             </a:fld>
             <a:endParaRPr lang="en-US"/>
           </a:p>
@@ -773,7 +773,7 @@
           <a:p>
             <a:fld id="{E79F6E01-8425-4BDF-A414-B45F251C5193}" type="datetimeFigureOut">
               <a:rPr lang="en-US" smtClean="0"/>
-              <a:t>11/22/2023</a:t>
+              <a:t>11/23/2023</a:t>
             </a:fld>
             <a:endParaRPr lang="en-US"/>
           </a:p>
@@ -1019,7 +1019,7 @@
           <a:p>
             <a:fld id="{E79F6E01-8425-4BDF-A414-B45F251C5193}" type="datetimeFigureOut">
               <a:rPr lang="en-US" smtClean="0"/>
-              <a:t>11/22/2023</a:t>
+              <a:t>11/23/2023</a:t>
             </a:fld>
             <a:endParaRPr lang="en-US"/>
           </a:p>
@@ -1251,7 +1251,7 @@
           <a:p>
             <a:fld id="{E79F6E01-8425-4BDF-A414-B45F251C5193}" type="datetimeFigureOut">
               <a:rPr lang="en-US" smtClean="0"/>
-              <a:t>11/22/2023</a:t>
+              <a:t>11/23/2023</a:t>
             </a:fld>
             <a:endParaRPr lang="en-US"/>
           </a:p>
@@ -1618,7 +1618,7 @@
           <a:p>
             <a:fld id="{E79F6E01-8425-4BDF-A414-B45F251C5193}" type="datetimeFigureOut">
               <a:rPr lang="en-US" smtClean="0"/>
-              <a:t>11/22/2023</a:t>
+              <a:t>11/23/2023</a:t>
             </a:fld>
             <a:endParaRPr lang="en-US"/>
           </a:p>
@@ -1736,7 +1736,7 @@
           <a:p>
             <a:fld id="{E79F6E01-8425-4BDF-A414-B45F251C5193}" type="datetimeFigureOut">
               <a:rPr lang="en-US" smtClean="0"/>
-              <a:t>11/22/2023</a:t>
+              <a:t>11/23/2023</a:t>
             </a:fld>
             <a:endParaRPr lang="en-US"/>
           </a:p>
@@ -1831,7 +1831,7 @@
           <a:p>
             <a:fld id="{E79F6E01-8425-4BDF-A414-B45F251C5193}" type="datetimeFigureOut">
               <a:rPr lang="en-US" smtClean="0"/>
-              <a:t>11/22/2023</a:t>
+              <a:t>11/23/2023</a:t>
             </a:fld>
             <a:endParaRPr lang="en-US"/>
           </a:p>
@@ -2108,7 +2108,7 @@
           <a:p>
             <a:fld id="{E79F6E01-8425-4BDF-A414-B45F251C5193}" type="datetimeFigureOut">
               <a:rPr lang="en-US" smtClean="0"/>
-              <a:t>11/22/2023</a:t>
+              <a:t>11/23/2023</a:t>
             </a:fld>
             <a:endParaRPr lang="en-US"/>
           </a:p>
@@ -2361,7 +2361,7 @@
           <a:p>
             <a:fld id="{E79F6E01-8425-4BDF-A414-B45F251C5193}" type="datetimeFigureOut">
               <a:rPr lang="en-US" smtClean="0"/>
-              <a:t>11/22/2023</a:t>
+              <a:t>11/23/2023</a:t>
             </a:fld>
             <a:endParaRPr lang="en-US"/>
           </a:p>
@@ -2574,7 +2574,7 @@
           <a:p>
             <a:fld id="{E79F6E01-8425-4BDF-A414-B45F251C5193}" type="datetimeFigureOut">
               <a:rPr lang="en-US" smtClean="0"/>
-              <a:t>11/22/2023</a:t>
+              <a:t>11/23/2023</a:t>
             </a:fld>
             <a:endParaRPr lang="en-US"/>
           </a:p>
@@ -2998,7 +2998,6 @@
               <a:rPr lang="en-US" dirty="0"/>
               <a:t>Fourth Industrial Revolution (4IR)</a:t>
             </a:r>
-            <a:endParaRPr lang="en-US" dirty="0"/>
           </a:p>
         </p:txBody>
       </p:sp>
@@ -3058,7 +3057,6 @@
               <a:rPr lang="en-US" dirty="0"/>
               <a:t>4IR technologies</a:t>
             </a:r>
-            <a:endParaRPr lang="en-US" dirty="0"/>
           </a:p>
         </p:txBody>
       </p:sp>
@@ -3079,50 +3077,34 @@
           <a:p>
             <a:r>
               <a:rPr lang="en-US" dirty="0" smtClean="0"/>
-              <a:t>1. Artificial Intelligence (AI</a:t>
+              <a:t>1. Artificial Intelligence (AI)</a:t>
+            </a:r>
+          </a:p>
+          <a:p>
+            <a:r>
+              <a:rPr lang="en-US" dirty="0" smtClean="0"/>
+              <a:t>2. Internet of Things (</a:t>
+            </a:r>
+            <a:r>
+              <a:rPr lang="en-US" dirty="0" err="1" smtClean="0"/>
+              <a:t>IoT</a:t>
             </a:r>
             <a:r>
               <a:rPr lang="en-US" dirty="0" smtClean="0"/>
               <a:t>)</a:t>
             </a:r>
-            <a:endParaRPr lang="en-US" dirty="0" smtClean="0"/>
           </a:p>
           <a:p>
             <a:r>
               <a:rPr lang="en-US" dirty="0" smtClean="0"/>
-              <a:t>2. Internet of Things (</a:t>
-            </a:r>
-            <a:r>
-              <a:rPr lang="en-US" dirty="0" err="1" smtClean="0"/>
-              <a:t>IoT</a:t>
-            </a:r>
+              <a:t>3. Robotics</a:t>
+            </a:r>
+          </a:p>
+          <a:p>
             <a:r>
               <a:rPr lang="en-US" dirty="0" smtClean="0"/>
-              <a:t>)</a:t>
-            </a:r>
-            <a:endParaRPr lang="en-US" dirty="0" smtClean="0"/>
-          </a:p>
-          <a:p>
-            <a:r>
-              <a:rPr lang="en-US" dirty="0" smtClean="0"/>
-              <a:t>3. </a:t>
-            </a:r>
-            <a:r>
-              <a:rPr lang="en-US" dirty="0" smtClean="0"/>
-              <a:t>Robotics</a:t>
-            </a:r>
-            <a:endParaRPr lang="en-US" dirty="0" smtClean="0"/>
-          </a:p>
-          <a:p>
-            <a:r>
-              <a:rPr lang="en-US" dirty="0" smtClean="0"/>
-              <a:t>4. Big Data </a:t>
-            </a:r>
-            <a:r>
-              <a:rPr lang="en-US" dirty="0" smtClean="0"/>
-              <a:t>Analytics</a:t>
-            </a:r>
-            <a:endParaRPr lang="en-US" dirty="0" smtClean="0"/>
+              <a:t>4. Big Data Analytics</a:t>
+            </a:r>
           </a:p>
           <a:p>
             <a:r>
@@ -3138,33 +3120,19 @@
           <a:p>
             <a:r>
               <a:rPr lang="en-US" dirty="0" smtClean="0"/>
-              <a:t>6. Virtual Reality (VR) and Augmented Reality (AR</a:t>
-            </a:r>
+              <a:t>6. Virtual Reality (VR) and Augmented Reality (AR)</a:t>
+            </a:r>
+          </a:p>
+          <a:p>
             <a:r>
               <a:rPr lang="en-US" dirty="0" smtClean="0"/>
-              <a:t>)</a:t>
-            </a:r>
-            <a:endParaRPr lang="en-US" dirty="0" smtClean="0"/>
+              <a:t>7. 3D Printing</a:t>
+            </a:r>
           </a:p>
           <a:p>
             <a:r>
               <a:rPr lang="en-US" dirty="0" smtClean="0"/>
-              <a:t>7. 3D </a:t>
-            </a:r>
-            <a:r>
-              <a:rPr lang="en-US" dirty="0" smtClean="0"/>
-              <a:t>Printing</a:t>
-            </a:r>
-            <a:endParaRPr lang="en-US" dirty="0" smtClean="0"/>
-          </a:p>
-          <a:p>
-            <a:r>
-              <a:rPr lang="en-US" dirty="0" smtClean="0"/>
-              <a:t>8. </a:t>
-            </a:r>
-            <a:r>
-              <a:rPr lang="en-US" dirty="0" smtClean="0"/>
-              <a:t>Biotechnology</a:t>
+              <a:t>8. Biotechnology</a:t>
             </a:r>
             <a:endParaRPr lang="en-US" dirty="0"/>
           </a:p>
@@ -3293,7 +3261,6 @@
               <a:rPr lang="en-US" dirty="0"/>
               <a:t>4IR in Bangladesh </a:t>
             </a:r>
-            <a:endParaRPr lang="en-US" dirty="0"/>
           </a:p>
         </p:txBody>
       </p:sp>
@@ -3488,7 +3455,6 @@
               <a:rPr lang="en-US" sz="3200" dirty="0"/>
               <a:t>4IR in Bangladesh </a:t>
             </a:r>
-            <a:endParaRPr lang="en-US" sz="3200" dirty="0"/>
           </a:p>
         </p:txBody>
       </p:sp>
@@ -3688,7 +3654,6 @@
               <a:rPr lang="en-US" sz="3600" dirty="0"/>
               <a:t>4IR in Bangladesh </a:t>
             </a:r>
-            <a:endParaRPr lang="en-US" sz="3600" dirty="0"/>
           </a:p>
         </p:txBody>
       </p:sp>
@@ -3917,13 +3882,48 @@
           <a:lstStyle/>
           <a:p>
             <a:r>
-              <a:rPr lang="en-US" dirty="0" smtClean="0"/>
-              <a:t>https://www.youtube.com/watch?v=nhNPqqxM9Ro</a:t>
-            </a:r>
+              <a:rPr lang="en-US" dirty="0" smtClean="0">
+                <a:hlinkClick r:id="rId2"/>
+              </a:rPr>
+              <a:t>https://</a:t>
+            </a:r>
+            <a:r>
+              <a:rPr lang="en-US" dirty="0" smtClean="0">
+                <a:hlinkClick r:id="rId2"/>
+              </a:rPr>
+              <a:t>www.youtube.com/watch?v=nhNPqqxM9Ro</a:t>
+            </a:r>
+            <a:endParaRPr lang="en-US" dirty="0" smtClean="0"/>
+          </a:p>
+          <a:p>
             <a:endParaRPr lang="en-US" dirty="0"/>
           </a:p>
         </p:txBody>
       </p:sp>
+      <p:pic>
+        <p:nvPicPr>
+          <p:cNvPr id="4" name="Picture 3"/>
+          <p:cNvPicPr>
+            <a:picLocks noChangeAspect="1"/>
+          </p:cNvPicPr>
+          <p:nvPr/>
+        </p:nvPicPr>
+        <p:blipFill>
+          <a:blip r:embed="rId3"/>
+          <a:stretch>
+            <a:fillRect/>
+          </a:stretch>
+        </p:blipFill>
+        <p:spPr>
+          <a:xfrm>
+            <a:off x="1745319" y="2393747"/>
+            <a:ext cx="8701361" cy="4225352"/>
+          </a:xfrm>
+          <a:prstGeom prst="rect">
+            <a:avLst/>
+          </a:prstGeom>
+        </p:spPr>
+      </p:pic>
     </p:spTree>
     <p:extLst>
       <p:ext uri="{BB962C8B-B14F-4D97-AF65-F5344CB8AC3E}">
@@ -3980,7 +3980,6 @@
               <a:rPr lang="en-US" dirty="0"/>
               <a:t>4IR in Bangladesh</a:t>
             </a:r>
-            <a:endParaRPr lang="en-US" dirty="0"/>
           </a:p>
         </p:txBody>
       </p:sp>
@@ -4170,7 +4169,6 @@
               <a:rPr lang="en-US" dirty="0"/>
               <a:t>4IR in Bangladesh</a:t>
             </a:r>
-            <a:endParaRPr lang="en-US" dirty="0"/>
           </a:p>
         </p:txBody>
       </p:sp>
@@ -4494,7 +4492,6 @@
               <a:rPr lang="en-US" dirty="0"/>
               <a:t>4IR in Bangladesh</a:t>
             </a:r>
-            <a:endParaRPr lang="en-US" dirty="0"/>
           </a:p>
         </p:txBody>
       </p:sp>

--- a/7 Fourth Industrial Revolution(4IR).pptx
+++ b/7 Fourth Industrial Revolution(4IR).pptx
@@ -253,7 +253,7 @@
           <a:p>
             <a:fld id="{E79F6E01-8425-4BDF-A414-B45F251C5193}" type="datetimeFigureOut">
               <a:rPr lang="en-US" smtClean="0"/>
-              <a:t>11/23/2023</a:t>
+              <a:t>11/24/2023</a:t>
             </a:fld>
             <a:endParaRPr lang="en-US"/>
           </a:p>
@@ -423,7 +423,7 @@
           <a:p>
             <a:fld id="{E79F6E01-8425-4BDF-A414-B45F251C5193}" type="datetimeFigureOut">
               <a:rPr lang="en-US" smtClean="0"/>
-              <a:t>11/23/2023</a:t>
+              <a:t>11/24/2023</a:t>
             </a:fld>
             <a:endParaRPr lang="en-US"/>
           </a:p>
@@ -603,7 +603,7 @@
           <a:p>
             <a:fld id="{E79F6E01-8425-4BDF-A414-B45F251C5193}" type="datetimeFigureOut">
               <a:rPr lang="en-US" smtClean="0"/>
-              <a:t>11/23/2023</a:t>
+              <a:t>11/24/2023</a:t>
             </a:fld>
             <a:endParaRPr lang="en-US"/>
           </a:p>
@@ -773,7 +773,7 @@
           <a:p>
             <a:fld id="{E79F6E01-8425-4BDF-A414-B45F251C5193}" type="datetimeFigureOut">
               <a:rPr lang="en-US" smtClean="0"/>
-              <a:t>11/23/2023</a:t>
+              <a:t>11/24/2023</a:t>
             </a:fld>
             <a:endParaRPr lang="en-US"/>
           </a:p>
@@ -1019,7 +1019,7 @@
           <a:p>
             <a:fld id="{E79F6E01-8425-4BDF-A414-B45F251C5193}" type="datetimeFigureOut">
               <a:rPr lang="en-US" smtClean="0"/>
-              <a:t>11/23/2023</a:t>
+              <a:t>11/24/2023</a:t>
             </a:fld>
             <a:endParaRPr lang="en-US"/>
           </a:p>
@@ -1251,7 +1251,7 @@
           <a:p>
             <a:fld id="{E79F6E01-8425-4BDF-A414-B45F251C5193}" type="datetimeFigureOut">
               <a:rPr lang="en-US" smtClean="0"/>
-              <a:t>11/23/2023</a:t>
+              <a:t>11/24/2023</a:t>
             </a:fld>
             <a:endParaRPr lang="en-US"/>
           </a:p>
@@ -1618,7 +1618,7 @@
           <a:p>
             <a:fld id="{E79F6E01-8425-4BDF-A414-B45F251C5193}" type="datetimeFigureOut">
               <a:rPr lang="en-US" smtClean="0"/>
-              <a:t>11/23/2023</a:t>
+              <a:t>11/24/2023</a:t>
             </a:fld>
             <a:endParaRPr lang="en-US"/>
           </a:p>
@@ -1736,7 +1736,7 @@
           <a:p>
             <a:fld id="{E79F6E01-8425-4BDF-A414-B45F251C5193}" type="datetimeFigureOut">
               <a:rPr lang="en-US" smtClean="0"/>
-              <a:t>11/23/2023</a:t>
+              <a:t>11/24/2023</a:t>
             </a:fld>
             <a:endParaRPr lang="en-US"/>
           </a:p>
@@ -1831,7 +1831,7 @@
           <a:p>
             <a:fld id="{E79F6E01-8425-4BDF-A414-B45F251C5193}" type="datetimeFigureOut">
               <a:rPr lang="en-US" smtClean="0"/>
-              <a:t>11/23/2023</a:t>
+              <a:t>11/24/2023</a:t>
             </a:fld>
             <a:endParaRPr lang="en-US"/>
           </a:p>
@@ -2108,7 +2108,7 @@
           <a:p>
             <a:fld id="{E79F6E01-8425-4BDF-A414-B45F251C5193}" type="datetimeFigureOut">
               <a:rPr lang="en-US" smtClean="0"/>
-              <a:t>11/23/2023</a:t>
+              <a:t>11/24/2023</a:t>
             </a:fld>
             <a:endParaRPr lang="en-US"/>
           </a:p>
@@ -2361,7 +2361,7 @@
           <a:p>
             <a:fld id="{E79F6E01-8425-4BDF-A414-B45F251C5193}" type="datetimeFigureOut">
               <a:rPr lang="en-US" smtClean="0"/>
-              <a:t>11/23/2023</a:t>
+              <a:t>11/24/2023</a:t>
             </a:fld>
             <a:endParaRPr lang="en-US"/>
           </a:p>
@@ -2574,7 +2574,7 @@
           <a:p>
             <a:fld id="{E79F6E01-8425-4BDF-A414-B45F251C5193}" type="datetimeFigureOut">
               <a:rPr lang="en-US" smtClean="0"/>
-              <a:t>11/23/2023</a:t>
+              <a:t>11/24/2023</a:t>
             </a:fld>
             <a:endParaRPr lang="en-US"/>
           </a:p>
@@ -3259,8 +3259,9 @@
           <a:p>
             <a:r>
               <a:rPr lang="en-US" dirty="0"/>
-              <a:t>4IR in Bangladesh </a:t>
-            </a:r>
+              <a:t>Concepts of 4IR</a:t>
+            </a:r>
+            <a:endParaRPr lang="en-US" dirty="0"/>
           </a:p>
         </p:txBody>
       </p:sp>
@@ -3453,8 +3454,9 @@
           <a:p>
             <a:r>
               <a:rPr lang="en-US" sz="3200" dirty="0"/>
-              <a:t>4IR in Bangladesh </a:t>
-            </a:r>
+              <a:t>Concepts of 4IR</a:t>
+            </a:r>
+            <a:endParaRPr lang="en-US" sz="3200" dirty="0"/>
           </a:p>
         </p:txBody>
       </p:sp>
@@ -3651,9 +3653,10 @@
           <a:lstStyle/>
           <a:p>
             <a:r>
-              <a:rPr lang="en-US" sz="3600" dirty="0"/>
-              <a:t>4IR in Bangladesh </a:t>
-            </a:r>
+              <a:rPr lang="en-US" sz="3600"/>
+              <a:t>Concepts of 4IR</a:t>
+            </a:r>
+            <a:endParaRPr lang="en-US" sz="3600" dirty="0"/>
           </a:p>
         </p:txBody>
       </p:sp>
@@ -3885,13 +3888,7 @@
               <a:rPr lang="en-US" dirty="0" smtClean="0">
                 <a:hlinkClick r:id="rId2"/>
               </a:rPr>
-              <a:t>https://</a:t>
-            </a:r>
-            <a:r>
-              <a:rPr lang="en-US" dirty="0" smtClean="0">
-                <a:hlinkClick r:id="rId2"/>
-              </a:rPr>
-              <a:t>www.youtube.com/watch?v=nhNPqqxM9Ro</a:t>
+              <a:t>https://www.youtube.com/watch?v=nhNPqqxM9Ro</a:t>
             </a:r>
             <a:endParaRPr lang="en-US" dirty="0" smtClean="0"/>
           </a:p>
